--- a/Graphics/GIS_Workflow.pptx
+++ b/Graphics/GIS_Workflow.pptx
@@ -104,6 +104,11 @@
       </a:defRPr>
     </a:lvl9pPr>
   </p:defaultTextStyle>
+  <p:extLst>
+    <p:ext uri="{EFAFB233-063F-42B5-8137-9DF3F51BA10A}">
+      <p15:sldGuideLst xmlns:p15="http://schemas.microsoft.com/office/powerpoint/2012/main"/>
+    </p:ext>
+  </p:extLst>
 </p:presentation>
 </file>
 
@@ -238,7 +243,7 @@
           <a:p>
             <a:fld id="{F72C1BCF-1929-4F52-BF96-F3A2DD98F1D0}" type="datetimeFigureOut">
               <a:rPr lang="en-US" smtClean="0"/>
-              <a:t>11/16/2023</a:t>
+              <a:t>11/16/23</a:t>
             </a:fld>
             <a:endParaRPr lang="en-US"/>
           </a:p>
@@ -408,7 +413,7 @@
           <a:p>
             <a:fld id="{F72C1BCF-1929-4F52-BF96-F3A2DD98F1D0}" type="datetimeFigureOut">
               <a:rPr lang="en-US" smtClean="0"/>
-              <a:t>11/16/2023</a:t>
+              <a:t>11/16/23</a:t>
             </a:fld>
             <a:endParaRPr lang="en-US"/>
           </a:p>
@@ -588,7 +593,7 @@
           <a:p>
             <a:fld id="{F72C1BCF-1929-4F52-BF96-F3A2DD98F1D0}" type="datetimeFigureOut">
               <a:rPr lang="en-US" smtClean="0"/>
-              <a:t>11/16/2023</a:t>
+              <a:t>11/16/23</a:t>
             </a:fld>
             <a:endParaRPr lang="en-US"/>
           </a:p>
@@ -758,7 +763,7 @@
           <a:p>
             <a:fld id="{F72C1BCF-1929-4F52-BF96-F3A2DD98F1D0}" type="datetimeFigureOut">
               <a:rPr lang="en-US" smtClean="0"/>
-              <a:t>11/16/2023</a:t>
+              <a:t>11/16/23</a:t>
             </a:fld>
             <a:endParaRPr lang="en-US"/>
           </a:p>
@@ -1002,7 +1007,7 @@
           <a:p>
             <a:fld id="{F72C1BCF-1929-4F52-BF96-F3A2DD98F1D0}" type="datetimeFigureOut">
               <a:rPr lang="en-US" smtClean="0"/>
-              <a:t>11/16/2023</a:t>
+              <a:t>11/16/23</a:t>
             </a:fld>
             <a:endParaRPr lang="en-US"/>
           </a:p>
@@ -1234,7 +1239,7 @@
           <a:p>
             <a:fld id="{F72C1BCF-1929-4F52-BF96-F3A2DD98F1D0}" type="datetimeFigureOut">
               <a:rPr lang="en-US" smtClean="0"/>
-              <a:t>11/16/2023</a:t>
+              <a:t>11/16/23</a:t>
             </a:fld>
             <a:endParaRPr lang="en-US"/>
           </a:p>
@@ -1601,7 +1606,7 @@
           <a:p>
             <a:fld id="{F72C1BCF-1929-4F52-BF96-F3A2DD98F1D0}" type="datetimeFigureOut">
               <a:rPr lang="en-US" smtClean="0"/>
-              <a:t>11/16/2023</a:t>
+              <a:t>11/16/23</a:t>
             </a:fld>
             <a:endParaRPr lang="en-US"/>
           </a:p>
@@ -1719,7 +1724,7 @@
           <a:p>
             <a:fld id="{F72C1BCF-1929-4F52-BF96-F3A2DD98F1D0}" type="datetimeFigureOut">
               <a:rPr lang="en-US" smtClean="0"/>
-              <a:t>11/16/2023</a:t>
+              <a:t>11/16/23</a:t>
             </a:fld>
             <a:endParaRPr lang="en-US"/>
           </a:p>
@@ -1814,7 +1819,7 @@
           <a:p>
             <a:fld id="{F72C1BCF-1929-4F52-BF96-F3A2DD98F1D0}" type="datetimeFigureOut">
               <a:rPr lang="en-US" smtClean="0"/>
-              <a:t>11/16/2023</a:t>
+              <a:t>11/16/23</a:t>
             </a:fld>
             <a:endParaRPr lang="en-US"/>
           </a:p>
@@ -2091,7 +2096,7 @@
           <a:p>
             <a:fld id="{F72C1BCF-1929-4F52-BF96-F3A2DD98F1D0}" type="datetimeFigureOut">
               <a:rPr lang="en-US" smtClean="0"/>
-              <a:t>11/16/2023</a:t>
+              <a:t>11/16/23</a:t>
             </a:fld>
             <a:endParaRPr lang="en-US"/>
           </a:p>
@@ -2348,7 +2353,7 @@
           <a:p>
             <a:fld id="{F72C1BCF-1929-4F52-BF96-F3A2DD98F1D0}" type="datetimeFigureOut">
               <a:rPr lang="en-US" smtClean="0"/>
-              <a:t>11/16/2023</a:t>
+              <a:t>11/16/23</a:t>
             </a:fld>
             <a:endParaRPr lang="en-US"/>
           </a:p>
@@ -2561,7 +2566,7 @@
           <a:p>
             <a:fld id="{F72C1BCF-1929-4F52-BF96-F3A2DD98F1D0}" type="datetimeFigureOut">
               <a:rPr lang="en-US" smtClean="0"/>
-              <a:t>11/16/2023</a:t>
+              <a:t>11/16/23</a:t>
             </a:fld>
             <a:endParaRPr lang="en-US"/>
           </a:p>
@@ -2980,7 +2985,7 @@
         </p:nvGrpSpPr>
         <p:grpSpPr>
           <a:xfrm>
-            <a:off x="9340046" y="4876002"/>
+            <a:off x="9372621" y="3724439"/>
             <a:ext cx="817123" cy="1747736"/>
             <a:chOff x="7334655" y="3041154"/>
             <a:chExt cx="817123" cy="1747736"/>
@@ -3006,7 +3011,11 @@
             <a:prstGeom prst="line">
               <a:avLst/>
             </a:prstGeom>
-            <a:ln w="31750"/>
+            <a:ln w="31750">
+              <a:solidFill>
+                <a:srgbClr val="0B5E90"/>
+              </a:solidFill>
+            </a:ln>
           </p:spPr>
           <p:style>
             <a:lnRef idx="1">
@@ -3043,7 +3052,11 @@
             <a:prstGeom prst="line">
               <a:avLst/>
             </a:prstGeom>
-            <a:ln w="31750"/>
+            <a:ln w="31750">
+              <a:solidFill>
+                <a:srgbClr val="0B5E90"/>
+              </a:solidFill>
+            </a:ln>
           </p:spPr>
           <p:style>
             <a:lnRef idx="1">
@@ -3080,7 +3093,11 @@
             <a:prstGeom prst="line">
               <a:avLst/>
             </a:prstGeom>
-            <a:ln w="31750"/>
+            <a:ln w="31750">
+              <a:solidFill>
+                <a:srgbClr val="0B5E90"/>
+              </a:solidFill>
+            </a:ln>
           </p:spPr>
           <p:style>
             <a:lnRef idx="1">
@@ -3112,12 +3129,23 @@
         </p:nvSpPr>
         <p:spPr>
           <a:xfrm>
-            <a:off x="4768046" y="4418802"/>
+            <a:off x="4800621" y="3267239"/>
             <a:ext cx="4572000" cy="914400"/>
           </a:xfrm>
           <a:prstGeom prst="rect">
             <a:avLst/>
           </a:prstGeom>
+          <a:solidFill>
+            <a:srgbClr val="0B5E90"/>
+          </a:solidFill>
+          <a:effectLst>
+            <a:outerShdw blurRad="50800" dist="38100" dir="2700000" algn="tl" rotWithShape="0">
+              <a:prstClr val="black">
+                <a:alpha val="40000"/>
+              </a:prstClr>
+            </a:outerShdw>
+            <a:softEdge rad="12700"/>
+          </a:effectLst>
         </p:spPr>
         <p:style>
           <a:lnRef idx="0">
@@ -3159,12 +3187,15 @@
         </p:nvSpPr>
         <p:spPr>
           <a:xfrm>
-            <a:off x="4768046" y="6166538"/>
+            <a:off x="4800621" y="5014975"/>
             <a:ext cx="4572000" cy="914400"/>
           </a:xfrm>
           <a:prstGeom prst="rect">
             <a:avLst/>
           </a:prstGeom>
+          <a:solidFill>
+            <a:srgbClr val="0B5E90"/>
+          </a:solidFill>
         </p:spPr>
         <p:style>
           <a:lnRef idx="0">
@@ -3208,13 +3239,16 @@
         </p:nvCxnSpPr>
         <p:spPr>
           <a:xfrm>
-            <a:off x="10157169" y="5713027"/>
+            <a:off x="10189744" y="4561464"/>
             <a:ext cx="1531287" cy="0"/>
           </a:xfrm>
           <a:prstGeom prst="straightConnector1">
             <a:avLst/>
           </a:prstGeom>
           <a:ln w="31750">
+            <a:solidFill>
+              <a:srgbClr val="0B5E90"/>
+            </a:solidFill>
             <a:tailEnd type="triangle" w="lg" len="lg"/>
           </a:ln>
         </p:spPr>
@@ -3247,12 +3281,15 @@
         </p:nvSpPr>
         <p:spPr>
           <a:xfrm>
-            <a:off x="11688456" y="5089551"/>
+            <a:off x="11721031" y="3937988"/>
             <a:ext cx="3577390" cy="1246952"/>
           </a:xfrm>
           <a:prstGeom prst="rect">
             <a:avLst/>
           </a:prstGeom>
+          <a:solidFill>
+            <a:srgbClr val="3D6321"/>
+          </a:solidFill>
           <a:ln/>
         </p:spPr>
         <p:style>
@@ -3295,7 +3332,7 @@
         </p:nvGrpSpPr>
         <p:grpSpPr>
           <a:xfrm>
-            <a:off x="16797132" y="3760650"/>
+            <a:off x="16829707" y="2609087"/>
             <a:ext cx="2651760" cy="3978440"/>
             <a:chOff x="13942347" y="1404329"/>
             <a:chExt cx="2651760" cy="3978440"/>
@@ -3321,6 +3358,9 @@
             <a:prstGeom prst="rect">
               <a:avLst/>
             </a:prstGeom>
+            <a:solidFill>
+              <a:srgbClr val="0079C2"/>
+            </a:solidFill>
           </p:spPr>
           <p:style>
             <a:lnRef idx="0">
@@ -3368,6 +3408,9 @@
             <a:prstGeom prst="rect">
               <a:avLst/>
             </a:prstGeom>
+            <a:solidFill>
+              <a:srgbClr val="0079C2"/>
+            </a:solidFill>
           </p:spPr>
           <p:style>
             <a:lnRef idx="0">
@@ -3415,6 +3458,9 @@
             <a:prstGeom prst="rect">
               <a:avLst/>
             </a:prstGeom>
+            <a:solidFill>
+              <a:srgbClr val="0079C2"/>
+            </a:solidFill>
           </p:spPr>
           <p:style>
             <a:lnRef idx="0">
@@ -3457,7 +3503,7 @@
         </p:nvSpPr>
         <p:spPr>
           <a:xfrm>
-            <a:off x="11688456" y="3989022"/>
+            <a:off x="11721031" y="2837459"/>
             <a:ext cx="4251158" cy="954107"/>
           </a:xfrm>
           <a:prstGeom prst="rect">
@@ -3498,7 +3544,7 @@
         </p:nvGrpSpPr>
         <p:grpSpPr>
           <a:xfrm>
-            <a:off x="15275772" y="4332786"/>
+            <a:off x="15308347" y="3181223"/>
             <a:ext cx="1347536" cy="3340019"/>
             <a:chOff x="13250779" y="1697202"/>
             <a:chExt cx="1347536" cy="3340019"/>
@@ -3528,9 +3574,7 @@
             </a:prstGeom>
             <a:ln w="44450">
               <a:solidFill>
-                <a:schemeClr val="accent1">
-                  <a:alpha val="70000"/>
-                </a:schemeClr>
+                <a:srgbClr val="0B5E90"/>
               </a:solidFill>
             </a:ln>
           </p:spPr>
@@ -3571,9 +3615,7 @@
             </a:prstGeom>
             <a:ln w="44450">
               <a:solidFill>
-                <a:schemeClr val="accent1">
-                  <a:alpha val="70000"/>
-                </a:schemeClr>
+                <a:srgbClr val="0B5E90"/>
               </a:solidFill>
             </a:ln>
           </p:spPr>
@@ -3614,9 +3656,7 @@
             </a:prstGeom>
             <a:ln w="44450">
               <a:solidFill>
-                <a:schemeClr val="accent1">
-                  <a:alpha val="70000"/>
-                </a:schemeClr>
+                <a:srgbClr val="0B5E90"/>
               </a:solidFill>
             </a:ln>
           </p:spPr>
@@ -3657,9 +3697,7 @@
             </a:prstGeom>
             <a:ln w="44450">
               <a:solidFill>
-                <a:schemeClr val="accent1">
-                  <a:alpha val="70000"/>
-                </a:schemeClr>
+                <a:srgbClr val="0B5E90"/>
               </a:solidFill>
             </a:ln>
           </p:spPr>
@@ -3700,9 +3738,7 @@
             </a:prstGeom>
             <a:ln w="44450">
               <a:solidFill>
-                <a:schemeClr val="accent1">
-                  <a:alpha val="70000"/>
-                </a:schemeClr>
+                <a:srgbClr val="0B5E90"/>
               </a:solidFill>
             </a:ln>
           </p:spPr>
@@ -3736,13 +3772,17 @@
         </p:nvSpPr>
         <p:spPr>
           <a:xfrm>
-            <a:off x="19632642" y="3845193"/>
+            <a:off x="19694797" y="2572244"/>
             <a:ext cx="593555" cy="3978440"/>
           </a:xfrm>
           <a:prstGeom prst="rightBrace">
             <a:avLst/>
           </a:prstGeom>
-          <a:ln w="31750"/>
+          <a:ln w="31750">
+            <a:solidFill>
+              <a:srgbClr val="0B5E90"/>
+            </a:solidFill>
+          </a:ln>
         </p:spPr>
         <p:style>
           <a:lnRef idx="1">
@@ -3781,12 +3821,15 @@
         </p:nvSpPr>
         <p:spPr>
           <a:xfrm>
-            <a:off x="20583804" y="5126394"/>
+            <a:off x="20616379" y="3974831"/>
             <a:ext cx="3577390" cy="1246952"/>
           </a:xfrm>
           <a:prstGeom prst="rect">
             <a:avLst/>
           </a:prstGeom>
+          <a:solidFill>
+            <a:srgbClr val="6F2D01"/>
+          </a:solidFill>
           <a:ln/>
         </p:spPr>
         <p:style>
@@ -3831,13 +3874,16 @@
         </p:nvCxnSpPr>
         <p:spPr>
           <a:xfrm>
-            <a:off x="24161194" y="5789974"/>
+            <a:off x="24193769" y="4638411"/>
             <a:ext cx="1531287" cy="0"/>
           </a:xfrm>
           <a:prstGeom prst="straightConnector1">
             <a:avLst/>
           </a:prstGeom>
           <a:ln w="31750">
+            <a:solidFill>
+              <a:srgbClr val="0B5E90"/>
+            </a:solidFill>
             <a:tailEnd type="triangle" w="lg" len="lg"/>
           </a:ln>
         </p:spPr>
@@ -3870,12 +3916,15 @@
         </p:nvSpPr>
         <p:spPr>
           <a:xfrm>
-            <a:off x="25692481" y="5126394"/>
+            <a:off x="25725056" y="3974831"/>
             <a:ext cx="3577390" cy="1246952"/>
           </a:xfrm>
           <a:prstGeom prst="rect">
             <a:avLst/>
           </a:prstGeom>
+          <a:solidFill>
+            <a:srgbClr val="5D9732"/>
+          </a:solidFill>
           <a:ln/>
         </p:spPr>
         <p:style>
@@ -3918,7 +3967,7 @@
         </p:nvSpPr>
         <p:spPr>
           <a:xfrm>
-            <a:off x="25692481" y="3246345"/>
+            <a:off x="25725056" y="2094782"/>
             <a:ext cx="3577390" cy="1815882"/>
           </a:xfrm>
           <a:prstGeom prst="rect">
@@ -3959,7 +4008,7 @@
         </p:nvSpPr>
         <p:spPr>
           <a:xfrm>
-            <a:off x="21235031" y="6623738"/>
+            <a:off x="21267606" y="5472175"/>
             <a:ext cx="2274936" cy="536367"/>
           </a:xfrm>
           <a:prstGeom prst="rect">
@@ -4000,7 +4049,7 @@
         </p:nvSpPr>
         <p:spPr>
           <a:xfrm>
-            <a:off x="20750487" y="3525352"/>
+            <a:off x="20783062" y="2373789"/>
             <a:ext cx="3577390" cy="1384995"/>
           </a:xfrm>
           <a:prstGeom prst="rect">
@@ -4095,7 +4144,7 @@
         </p:nvSpPr>
         <p:spPr>
           <a:xfrm>
-            <a:off x="16581299" y="2672276"/>
+            <a:off x="16613874" y="1520713"/>
             <a:ext cx="4573759" cy="954107"/>
           </a:xfrm>
           <a:prstGeom prst="rect">
@@ -4177,13 +4226,17 @@
         </p:nvCxnSpPr>
         <p:spPr>
           <a:xfrm>
-            <a:off x="1073426" y="4876002"/>
+            <a:off x="1106001" y="3758784"/>
             <a:ext cx="3694620" cy="0"/>
           </a:xfrm>
           <a:prstGeom prst="line">
             <a:avLst/>
           </a:prstGeom>
-          <a:ln w="31750"/>
+          <a:ln w="31750">
+            <a:solidFill>
+              <a:srgbClr val="0B5E90"/>
+            </a:solidFill>
+          </a:ln>
         </p:spPr>
         <p:style>
           <a:lnRef idx="1">
@@ -4216,13 +4269,16 @@
         </p:nvCxnSpPr>
         <p:spPr>
           <a:xfrm>
-            <a:off x="3520779" y="4876002"/>
-            <a:ext cx="0" cy="4345892"/>
+            <a:off x="3618597" y="3758784"/>
+            <a:ext cx="0" cy="5469839"/>
           </a:xfrm>
           <a:prstGeom prst="line">
             <a:avLst/>
           </a:prstGeom>
           <a:ln w="31750">
+            <a:solidFill>
+              <a:srgbClr val="0B5E90"/>
+            </a:solidFill>
             <a:tailEnd type="triangle" w="lg" len="lg"/>
           </a:ln>
         </p:spPr>
@@ -4261,6 +4317,9 @@
           <a:prstGeom prst="rect">
             <a:avLst/>
           </a:prstGeom>
+          <a:solidFill>
+            <a:srgbClr val="3D6321"/>
+          </a:solidFill>
           <a:ln/>
         </p:spPr>
         <p:style>
@@ -4303,8 +4362,8 @@
         </p:nvSpPr>
         <p:spPr>
           <a:xfrm>
-            <a:off x="3669057" y="7815260"/>
-            <a:ext cx="2197977" cy="1384995"/>
+            <a:off x="1874211" y="7427675"/>
+            <a:ext cx="1875074" cy="1815882"/>
           </a:xfrm>
           <a:prstGeom prst="rect">
             <a:avLst/>
@@ -4347,12 +4406,15 @@
         <p:spPr>
           <a:xfrm>
             <a:off x="5634166" y="9906886"/>
-            <a:ext cx="3060786" cy="0"/>
+            <a:ext cx="2138081" cy="0"/>
           </a:xfrm>
           <a:prstGeom prst="straightConnector1">
             <a:avLst/>
           </a:prstGeom>
           <a:ln w="31750">
+            <a:solidFill>
+              <a:srgbClr val="0B5E90"/>
+            </a:solidFill>
             <a:tailEnd type="triangle" w="lg" len="lg"/>
           </a:ln>
         </p:spPr>
@@ -4385,12 +4447,15 @@
         </p:nvSpPr>
         <p:spPr>
           <a:xfrm>
-            <a:off x="8694952" y="9170331"/>
+            <a:off x="7776117" y="9170331"/>
             <a:ext cx="3577390" cy="1246952"/>
           </a:xfrm>
           <a:prstGeom prst="rect">
             <a:avLst/>
           </a:prstGeom>
+          <a:solidFill>
+            <a:srgbClr val="3D6321"/>
+          </a:solidFill>
           <a:ln/>
         </p:spPr>
         <p:style>
@@ -4720,6 +4785,9 @@
             <a:avLst/>
           </a:prstGeom>
           <a:ln w="31750">
+            <a:solidFill>
+              <a:srgbClr val="0B5E90"/>
+            </a:solidFill>
             <a:tailEnd type="triangle" w="lg" len="lg"/>
           </a:ln>
         </p:spPr>
@@ -4758,6 +4826,9 @@
           <a:prstGeom prst="rect">
             <a:avLst/>
           </a:prstGeom>
+          <a:solidFill>
+            <a:srgbClr val="5D9732"/>
+          </a:solidFill>
           <a:ln/>
         </p:spPr>
         <p:style>
@@ -4807,13 +4878,17 @@
         </p:nvCxnSpPr>
         <p:spPr>
           <a:xfrm>
-            <a:off x="27380661" y="6373346"/>
-            <a:ext cx="0" cy="1111188"/>
+            <a:off x="27380661" y="5221783"/>
+            <a:ext cx="0" cy="2262751"/>
           </a:xfrm>
           <a:prstGeom prst="line">
             <a:avLst/>
           </a:prstGeom>
-          <a:ln w="31750"/>
+          <a:ln w="31750">
+            <a:solidFill>
+              <a:srgbClr val="0B5E90"/>
+            </a:solidFill>
+          </a:ln>
         </p:spPr>
         <p:style>
           <a:lnRef idx="1">
@@ -4850,6 +4925,9 @@
           <a:prstGeom prst="rect">
             <a:avLst/>
           </a:prstGeom>
+          <a:solidFill>
+            <a:srgbClr val="0079C2"/>
+          </a:solidFill>
         </p:spPr>
         <p:style>
           <a:lnRef idx="0">
@@ -4899,7 +4977,11 @@
           <a:prstGeom prst="line">
             <a:avLst/>
           </a:prstGeom>
-          <a:ln w="31750"/>
+          <a:ln w="31750">
+            <a:solidFill>
+              <a:srgbClr val="0B5E90"/>
+            </a:solidFill>
+          </a:ln>
         </p:spPr>
         <p:style>
           <a:lnRef idx="1">
@@ -4930,12 +5012,15 @@
         </p:nvSpPr>
         <p:spPr>
           <a:xfrm>
-            <a:off x="13869124" y="9160657"/>
+            <a:off x="12452687" y="9191572"/>
             <a:ext cx="3577390" cy="1246952"/>
           </a:xfrm>
           <a:prstGeom prst="rect">
             <a:avLst/>
           </a:prstGeom>
+          <a:solidFill>
+            <a:srgbClr val="0079C2"/>
+          </a:solidFill>
           <a:ln/>
         </p:spPr>
         <p:style>
@@ -4975,20 +5060,23 @@
           </p:cNvPr>
           <p:cNvCxnSpPr>
             <a:cxnSpLocks/>
-            <a:stCxn id="74" idx="1"/>
             <a:endCxn id="48" idx="3"/>
           </p:cNvCxnSpPr>
           <p:nvPr/>
         </p:nvCxnSpPr>
         <p:spPr>
           <a:xfrm flipH="1">
-            <a:off x="12272342" y="9784133"/>
-            <a:ext cx="1596782" cy="9674"/>
+            <a:off x="11353507" y="9793806"/>
+            <a:ext cx="1068986" cy="1"/>
           </a:xfrm>
           <a:prstGeom prst="line">
             <a:avLst/>
           </a:prstGeom>
-          <a:ln w="31750"/>
+          <a:ln w="31750">
+            <a:solidFill>
+              <a:srgbClr val="0B5E90"/>
+            </a:solidFill>
+          </a:ln>
         </p:spPr>
         <p:style>
           <a:lnRef idx="1">
@@ -5016,18 +5104,22 @@
           </p:cNvPr>
           <p:cNvCxnSpPr>
             <a:cxnSpLocks/>
+            <a:stCxn id="74" idx="3"/>
           </p:cNvCxnSpPr>
           <p:nvPr/>
         </p:nvCxnSpPr>
         <p:spPr>
-          <a:xfrm>
-            <a:off x="17446514" y="9793807"/>
-            <a:ext cx="2651213" cy="0"/>
+          <a:xfrm flipV="1">
+            <a:off x="16030077" y="9793807"/>
+            <a:ext cx="4067650" cy="21241"/>
           </a:xfrm>
           <a:prstGeom prst="straightConnector1">
             <a:avLst/>
           </a:prstGeom>
           <a:ln w="31750">
+            <a:solidFill>
+              <a:srgbClr val="0B5E90"/>
+            </a:solidFill>
             <a:tailEnd type="triangle" w="lg" len="lg"/>
           </a:ln>
         </p:spPr>
@@ -5127,7 +5219,11 @@
             <a:prstGeom prst="line">
               <a:avLst/>
             </a:prstGeom>
-            <a:ln w="31750"/>
+            <a:ln w="31750">
+              <a:solidFill>
+                <a:srgbClr val="0B5E90"/>
+              </a:solidFill>
+            </a:ln>
           </p:spPr>
           <p:style>
             <a:lnRef idx="1">
@@ -5164,7 +5260,11 @@
             <a:prstGeom prst="line">
               <a:avLst/>
             </a:prstGeom>
-            <a:ln w="31750"/>
+            <a:ln w="31750">
+              <a:solidFill>
+                <a:srgbClr val="0B5E90"/>
+              </a:solidFill>
+            </a:ln>
           </p:spPr>
           <p:style>
             <a:lnRef idx="1">
@@ -5201,7 +5301,11 @@
             <a:prstGeom prst="line">
               <a:avLst/>
             </a:prstGeom>
-            <a:ln w="31750"/>
+            <a:ln w="31750">
+              <a:solidFill>
+                <a:srgbClr val="0B5E90"/>
+              </a:solidFill>
+            </a:ln>
           </p:spPr>
           <p:style>
             <a:lnRef idx="1">
@@ -5241,7 +5345,11 @@
           <a:prstGeom prst="line">
             <a:avLst/>
           </a:prstGeom>
-          <a:ln w="31750"/>
+          <a:ln w="31750">
+            <a:solidFill>
+              <a:srgbClr val="0B5E90"/>
+            </a:solidFill>
+          </a:ln>
         </p:spPr>
         <p:style>
           <a:lnRef idx="1">
@@ -5278,6 +5386,9 @@
           <a:prstGeom prst="rect">
             <a:avLst/>
           </a:prstGeom>
+          <a:solidFill>
+            <a:srgbClr val="6F2D01"/>
+          </a:solidFill>
           <a:ln/>
         </p:spPr>
         <p:style>
@@ -5326,6 +5437,9 @@
           <a:prstGeom prst="rect">
             <a:avLst/>
           </a:prstGeom>
+          <a:solidFill>
+            <a:srgbClr val="6F2D01"/>
+          </a:solidFill>
           <a:ln/>
         </p:spPr>
         <p:style>
@@ -5458,7 +5572,11 @@
           <a:prstGeom prst="line">
             <a:avLst/>
           </a:prstGeom>
-          <a:ln w="31750"/>
+          <a:ln w="31750">
+            <a:solidFill>
+              <a:srgbClr val="0B5E90"/>
+            </a:solidFill>
+          </a:ln>
         </p:spPr>
         <p:style>
           <a:lnRef idx="1">
@@ -5497,7 +5615,11 @@
           <a:prstGeom prst="line">
             <a:avLst/>
           </a:prstGeom>
-          <a:ln w="31750"/>
+          <a:ln w="31750">
+            <a:solidFill>
+              <a:srgbClr val="0B5E90"/>
+            </a:solidFill>
+          </a:ln>
         </p:spPr>
         <p:style>
           <a:lnRef idx="1">
@@ -5534,6 +5656,9 @@
           <a:prstGeom prst="rect">
             <a:avLst/>
           </a:prstGeom>
+          <a:solidFill>
+            <a:srgbClr val="0079C2"/>
+          </a:solidFill>
           <a:ln/>
         </p:spPr>
         <p:style>
@@ -5582,6 +5707,9 @@
           <a:prstGeom prst="rect">
             <a:avLst/>
           </a:prstGeom>
+          <a:solidFill>
+            <a:srgbClr val="0079C2"/>
+          </a:solidFill>
           <a:ln/>
         </p:spPr>
         <p:style>
@@ -5630,6 +5758,9 @@
           <a:prstGeom prst="rect">
             <a:avLst/>
           </a:prstGeom>
+          <a:solidFill>
+            <a:srgbClr val="5D9732"/>
+          </a:solidFill>
           <a:ln/>
         </p:spPr>
         <p:style>
@@ -5681,6 +5812,9 @@
             <a:avLst/>
           </a:prstGeom>
           <a:ln w="31750">
+            <a:solidFill>
+              <a:srgbClr val="0B5E90"/>
+            </a:solidFill>
             <a:tailEnd type="triangle" w="lg" len="lg"/>
           </a:ln>
         </p:spPr>
@@ -5719,6 +5853,9 @@
           <a:prstGeom prst="rect">
             <a:avLst/>
           </a:prstGeom>
+          <a:solidFill>
+            <a:srgbClr val="5D9732"/>
+          </a:solidFill>
           <a:ln/>
         </p:spPr>
         <p:style>
@@ -5787,7 +5924,11 @@
             <a:prstGeom prst="line">
               <a:avLst/>
             </a:prstGeom>
-            <a:ln w="31750"/>
+            <a:ln w="31750">
+              <a:solidFill>
+                <a:srgbClr val="0B5E90"/>
+              </a:solidFill>
+            </a:ln>
           </p:spPr>
           <p:style>
             <a:lnRef idx="1">
@@ -5824,7 +5965,11 @@
             <a:prstGeom prst="line">
               <a:avLst/>
             </a:prstGeom>
-            <a:ln w="31750"/>
+            <a:ln w="31750">
+              <a:solidFill>
+                <a:srgbClr val="0B5E90"/>
+              </a:solidFill>
+            </a:ln>
           </p:spPr>
           <p:style>
             <a:lnRef idx="1">
@@ -5861,7 +6006,11 @@
             <a:prstGeom prst="line">
               <a:avLst/>
             </a:prstGeom>
-            <a:ln w="31750"/>
+            <a:ln w="31750">
+              <a:solidFill>
+                <a:srgbClr val="0B5E90"/>
+              </a:solidFill>
+            </a:ln>
           </p:spPr>
           <p:style>
             <a:lnRef idx="1">
@@ -5899,6 +6048,9 @@
           <a:prstGeom prst="rect">
             <a:avLst/>
           </a:prstGeom>
+          <a:solidFill>
+            <a:srgbClr val="3D6321"/>
+          </a:solidFill>
           <a:ln/>
         </p:spPr>
         <p:style>
@@ -5950,6 +6102,9 @@
             <a:avLst/>
           </a:prstGeom>
           <a:ln w="31750">
+            <a:solidFill>
+              <a:srgbClr val="0B5E90"/>
+            </a:solidFill>
             <a:tailEnd type="triangle" w="lg" len="lg"/>
           </a:ln>
         </p:spPr>
@@ -5991,6 +6146,9 @@
             <a:avLst/>
           </a:prstGeom>
           <a:ln w="31750">
+            <a:solidFill>
+              <a:srgbClr val="0B5E90"/>
+            </a:solidFill>
             <a:tailEnd type="triangle" w="lg" len="lg"/>
           </a:ln>
         </p:spPr>
@@ -6031,7 +6189,11 @@
           <a:prstGeom prst="line">
             <a:avLst/>
           </a:prstGeom>
-          <a:ln w="31750"/>
+          <a:ln w="31750">
+            <a:solidFill>
+              <a:srgbClr val="0B5E90"/>
+            </a:solidFill>
+          </a:ln>
         </p:spPr>
         <p:style>
           <a:lnRef idx="1">
@@ -6070,7 +6232,12 @@
           <a:prstGeom prst="line">
             <a:avLst/>
           </a:prstGeom>
-          <a:ln w="31750"/>
+          <a:ln w="31750">
+            <a:solidFill>
+              <a:srgbClr val="0B5E90"/>
+            </a:solidFill>
+            <a:tailEnd type="triangle" w="lg" len="lg"/>
+          </a:ln>
         </p:spPr>
         <p:style>
           <a:lnRef idx="1">
@@ -6107,6 +6274,9 @@
           <a:prstGeom prst="rect">
             <a:avLst/>
           </a:prstGeom>
+          <a:solidFill>
+            <a:srgbClr val="0079C2"/>
+          </a:solidFill>
           <a:ln/>
         </p:spPr>
         <p:style>
@@ -6150,14 +6320,17 @@
           <p:nvPr/>
         </p:nvCxnSpPr>
         <p:spPr>
-          <a:xfrm>
-            <a:off x="1089005" y="4854363"/>
-            <a:ext cx="2587" cy="10151382"/>
+          <a:xfrm flipH="1">
+            <a:off x="1073426" y="3758784"/>
+            <a:ext cx="46139" cy="11249296"/>
           </a:xfrm>
           <a:prstGeom prst="line">
             <a:avLst/>
           </a:prstGeom>
           <a:ln w="31750">
+            <a:solidFill>
+              <a:srgbClr val="282D30"/>
+            </a:solidFill>
             <a:tailEnd type="none" w="lg" len="lg"/>
           </a:ln>
         </p:spPr>
@@ -6187,14 +6360,13 @@
           </p:cNvPr>
           <p:cNvCxnSpPr>
             <a:cxnSpLocks/>
-            <a:endCxn id="135" idx="1"/>
           </p:cNvCxnSpPr>
           <p:nvPr/>
         </p:nvCxnSpPr>
         <p:spPr>
           <a:xfrm flipV="1">
-            <a:off x="1089005" y="15008081"/>
-            <a:ext cx="5000582" cy="19303"/>
+            <a:off x="1073426" y="14962130"/>
+            <a:ext cx="5016161" cy="45950"/>
           </a:xfrm>
           <a:prstGeom prst="line">
             <a:avLst/>
@@ -6238,6 +6410,9 @@
           <a:prstGeom prst="rect">
             <a:avLst/>
           </a:prstGeom>
+          <a:solidFill>
+            <a:srgbClr val="3D6321"/>
+          </a:solidFill>
           <a:ln/>
         </p:spPr>
         <p:style>
@@ -6289,7 +6464,13 @@
           <a:prstGeom prst="line">
             <a:avLst/>
           </a:prstGeom>
-          <a:ln w="31750"/>
+          <a:ln w="31750">
+            <a:solidFill>
+              <a:srgbClr val="0B5E90"/>
+            </a:solidFill>
+            <a:headEnd type="triangle" w="lg" len="lg"/>
+            <a:tailEnd type="none" w="lg" len="lg"/>
+          </a:ln>
         </p:spPr>
         <p:style>
           <a:lnRef idx="1">
@@ -6329,6 +6510,9 @@
             <a:avLst/>
           </a:prstGeom>
           <a:ln w="31750">
+            <a:solidFill>
+              <a:srgbClr val="0B5E90"/>
+            </a:solidFill>
             <a:tailEnd type="triangle" w="lg" len="lg"/>
           </a:ln>
         </p:spPr>
@@ -6402,13 +6586,23 @@
         </p:nvSpPr>
         <p:spPr>
           <a:xfrm>
-            <a:off x="6098846" y="17436607"/>
+            <a:off x="5998125" y="17460696"/>
             <a:ext cx="3744069" cy="1907182"/>
           </a:xfrm>
           <a:prstGeom prst="rect">
             <a:avLst/>
           </a:prstGeom>
+          <a:solidFill>
+            <a:srgbClr val="F7A11A"/>
+          </a:solidFill>
           <a:ln/>
+          <a:effectLst>
+            <a:outerShdw blurRad="50800" dist="38100" dir="2700000" algn="tl" rotWithShape="0">
+              <a:prstClr val="black">
+                <a:alpha val="40000"/>
+              </a:prstClr>
+            </a:outerShdw>
+          </a:effectLst>
         </p:spPr>
         <p:style>
           <a:lnRef idx="0">
@@ -6430,7 +6624,11 @@
           <a:p>
             <a:pPr algn="ctr"/>
             <a:r>
-              <a:rPr lang="en-US" sz="3600" dirty="0"/>
+              <a:rPr lang="en-US" sz="3600" b="1" dirty="0">
+                <a:solidFill>
+                  <a:schemeClr val="bg1"/>
+                </a:solidFill>
+              </a:rPr>
               <a:t>Turbine Visual Prominence Bubble Plot</a:t>
             </a:r>
           </a:p>
@@ -6450,8 +6648,8 @@
         </p:nvSpPr>
         <p:spPr>
           <a:xfrm>
-            <a:off x="7428508" y="293489"/>
-            <a:ext cx="21389008" cy="1107996"/>
+            <a:off x="9372621" y="-9790"/>
+            <a:ext cx="17180776" cy="923330"/>
           </a:xfrm>
           <a:prstGeom prst="rect">
             <a:avLst/>
@@ -6465,11 +6663,9 @@
           <a:lstStyle/>
           <a:p>
             <a:r>
-              <a:rPr lang="en-US" sz="6600" b="1" dirty="0">
+              <a:rPr lang="en-US" sz="5400" b="1" dirty="0">
                 <a:solidFill>
-                  <a:schemeClr val="bg1">
-                    <a:lumMod val="50000"/>
-                  </a:schemeClr>
+                  <a:srgbClr val="4B545A"/>
                 </a:solidFill>
               </a:rPr>
               <a:t>GIS Workflow of Visual Impact Assessment (VIA)</a:t>
@@ -6477,6 +6673,248 @@
           </a:p>
         </p:txBody>
       </p:sp>
+      <p:pic>
+        <p:nvPicPr>
+          <p:cNvPr id="25" name="Picture 24" descr="A red circle with grey center&#10;&#10;Description automatically generated">
+            <a:extLst>
+              <a:ext uri="{FF2B5EF4-FFF2-40B4-BE49-F238E27FC236}">
+                <a16:creationId xmlns:a16="http://schemas.microsoft.com/office/drawing/2014/main" id="{5DCEB307-BEAD-F8C3-A21B-B07FDC3D03CB}"/>
+              </a:ext>
+            </a:extLst>
+          </p:cNvPr>
+          <p:cNvPicPr>
+            <a:picLocks noChangeAspect="1"/>
+          </p:cNvPicPr>
+          <p:nvPr/>
+        </p:nvPicPr>
+        <p:blipFill>
+          <a:blip r:embed="rId2">
+            <a:extLst>
+              <a:ext uri="{BEBA8EAE-BF5A-486C-A8C5-ECC9F3942E4B}">
+                <a14:imgProps xmlns:a14="http://schemas.microsoft.com/office/drawing/2010/main">
+                  <a14:imgLayer r:embed="rId3">
+                    <a14:imgEffect>
+                      <a14:backgroundRemoval t="2712" b="98983" l="4221" r="96591">
+                        <a14:foregroundMark x1="11364" y1="23729" x2="7630" y2="44576"/>
+                        <a14:foregroundMark x1="7630" y1="44576" x2="11526" y2="68136"/>
+                        <a14:foregroundMark x1="11526" y1="68136" x2="22890" y2="86441"/>
+                        <a14:foregroundMark x1="22890" y1="86441" x2="44481" y2="91864"/>
+                        <a14:foregroundMark x1="44481" y1="91864" x2="67045" y2="88814"/>
+                        <a14:foregroundMark x1="67045" y1="88814" x2="84091" y2="74915"/>
+                        <a14:foregroundMark x1="84091" y1="74915" x2="94968" y2="56610"/>
+                        <a14:foregroundMark x1="94968" y1="56610" x2="80357" y2="13390"/>
+                        <a14:foregroundMark x1="80357" y1="13390" x2="57468" y2="7966"/>
+                        <a14:foregroundMark x1="57468" y1="7966" x2="28896" y2="11525"/>
+                        <a14:foregroundMark x1="28896" y1="11525" x2="11039" y2="23898"/>
+                        <a14:foregroundMark x1="11039" y1="23898" x2="10714" y2="24746"/>
+                        <a14:foregroundMark x1="5032" y1="35932" x2="4545" y2="57458"/>
+                        <a14:foregroundMark x1="4545" y1="57458" x2="6331" y2="36102"/>
+                        <a14:foregroundMark x1="6331" y1="36102" x2="6006" y2="34407"/>
+                        <a14:foregroundMark x1="22078" y1="90847" x2="44156" y2="91017"/>
+                        <a14:foregroundMark x1="44156" y1="91017" x2="65097" y2="90678"/>
+                        <a14:foregroundMark x1="65097" y1="90678" x2="75812" y2="91695"/>
+                        <a14:foregroundMark x1="20617" y1="94915" x2="40747" y2="94915"/>
+                        <a14:foregroundMark x1="40747" y1="94915" x2="61201" y2="92712"/>
+                        <a14:foregroundMark x1="61201" y1="92712" x2="67857" y2="96102"/>
+                        <a14:foregroundMark x1="93182" y1="67797" x2="88312" y2="45085"/>
+                        <a14:foregroundMark x1="88312" y1="45085" x2="95617" y2="30339"/>
+                        <a14:foregroundMark x1="95617" y1="57119" x2="96429" y2="44068"/>
+                        <a14:foregroundMark x1="15260" y1="22881" x2="28571" y2="5593"/>
+                        <a14:foregroundMark x1="28571" y1="5593" x2="71104" y2="4407"/>
+                        <a14:foregroundMark x1="71104" y1="4407" x2="75812" y2="15932"/>
+                        <a14:foregroundMark x1="17370" y1="30339" x2="23214" y2="10339"/>
+                        <a14:foregroundMark x1="23214" y1="10339" x2="28084" y2="18814"/>
+                        <a14:foregroundMark x1="23052" y1="18475" x2="11688" y2="22881"/>
+                        <a14:foregroundMark x1="23052" y1="15085" x2="12825" y2="26271"/>
+                        <a14:foregroundMark x1="12825" y1="29661" x2="22890" y2="10678"/>
+                        <a14:foregroundMark x1="22890" y1="10678" x2="28084" y2="12542"/>
+                        <a14:foregroundMark x1="28409" y1="16949" x2="7792" y2="17797"/>
+                        <a14:foregroundMark x1="7792" y1="17797" x2="4545" y2="62881"/>
+                        <a14:foregroundMark x1="4545" y1="62881" x2="12662" y2="82712"/>
+                        <a14:foregroundMark x1="12662" y1="82712" x2="25162" y2="93559"/>
+                        <a14:foregroundMark x1="16721" y1="21864" x2="29221" y2="5254"/>
+                        <a14:foregroundMark x1="29221" y1="5254" x2="49026" y2="2881"/>
+                        <a14:foregroundMark x1="49026" y1="2881" x2="70617" y2="5424"/>
+                        <a14:foregroundMark x1="70617" y1="5424" x2="86851" y2="18136"/>
+                        <a14:foregroundMark x1="86851" y1="18136" x2="88961" y2="25085"/>
+                        <a14:foregroundMark x1="12825" y1="27797" x2="23052" y2="10000"/>
+                        <a14:foregroundMark x1="23052" y1="10000" x2="28409" y2="14068"/>
+                        <a14:foregroundMark x1="29545" y1="19153" x2="8766" y2="13390"/>
+                        <a14:foregroundMark x1="8766" y1="13390" x2="16396" y2="26271"/>
+                        <a14:foregroundMark x1="30195" y1="90847" x2="50000" y2="99831"/>
+                        <a14:foregroundMark x1="50000" y1="99831" x2="70130" y2="98305"/>
+                        <a14:foregroundMark x1="70130" y1="98305" x2="85877" y2="83559"/>
+                        <a14:foregroundMark x1="85877" y1="83559" x2="95130" y2="64576"/>
+                        <a14:foregroundMark x1="95130" y1="64576" x2="96753" y2="43729"/>
+                        <a14:foregroundMark x1="96753" y1="43729" x2="91071" y2="23220"/>
+                        <a14:foregroundMark x1="91071" y1="23220" x2="83279" y2="15932"/>
+                        <a14:foregroundMark x1="25649" y1="89492" x2="43182" y2="98983"/>
+                        <a14:foregroundMark x1="43182" y1="98983" x2="49026" y2="94576"/>
+                      </a14:backgroundRemoval>
+                    </a14:imgEffect>
+                  </a14:imgLayer>
+                </a14:imgProps>
+              </a:ext>
+              <a:ext uri="{28A0092B-C50C-407E-A947-70E740481C1C}">
+                <a14:useLocalDpi xmlns:a14="http://schemas.microsoft.com/office/drawing/2010/main" val="0"/>
+              </a:ext>
+            </a:extLst>
+          </a:blip>
+          <a:stretch>
+            <a:fillRect/>
+          </a:stretch>
+        </p:blipFill>
+        <p:spPr>
+          <a:xfrm>
+            <a:off x="3676088" y="7242933"/>
+            <a:ext cx="2026543" cy="1941007"/>
+          </a:xfrm>
+          <a:prstGeom prst="rect">
+            <a:avLst/>
+          </a:prstGeom>
+        </p:spPr>
+      </p:pic>
+      <p:pic>
+        <p:nvPicPr>
+          <p:cNvPr id="1026" name="Picture 2">
+            <a:extLst>
+              <a:ext uri="{FF2B5EF4-FFF2-40B4-BE49-F238E27FC236}">
+                <a16:creationId xmlns:a16="http://schemas.microsoft.com/office/drawing/2014/main" id="{82EDDCB7-3F3A-FB6A-9B27-66279FFF59EC}"/>
+              </a:ext>
+            </a:extLst>
+          </p:cNvPr>
+          <p:cNvPicPr>
+            <a:picLocks noChangeAspect="1" noChangeArrowheads="1"/>
+          </p:cNvPicPr>
+          <p:nvPr/>
+        </p:nvPicPr>
+        <p:blipFill>
+          <a:blip r:embed="rId4">
+            <a:extLst>
+              <a:ext uri="{28A0092B-C50C-407E-A947-70E740481C1C}">
+                <a14:useLocalDpi xmlns:a14="http://schemas.microsoft.com/office/drawing/2010/main" val="0"/>
+              </a:ext>
+            </a:extLst>
+          </a:blip>
+          <a:srcRect/>
+          <a:stretch>
+            <a:fillRect/>
+          </a:stretch>
+        </p:blipFill>
+        <p:spPr bwMode="auto">
+          <a:xfrm>
+            <a:off x="12711310" y="6129356"/>
+            <a:ext cx="2768631" cy="2960194"/>
+          </a:xfrm>
+          <a:prstGeom prst="rect">
+            <a:avLst/>
+          </a:prstGeom>
+          <a:noFill/>
+          <a:extLst>
+            <a:ext uri="{909E8E84-426E-40DD-AFC4-6F175D3DCCD1}">
+              <a14:hiddenFill xmlns:a14="http://schemas.microsoft.com/office/drawing/2010/main">
+                <a:solidFill>
+                  <a:srgbClr val="FFFFFF"/>
+                </a:solidFill>
+              </a14:hiddenFill>
+            </a:ext>
+          </a:extLst>
+        </p:spPr>
+      </p:pic>
+      <p:pic>
+        <p:nvPicPr>
+          <p:cNvPr id="1028" name="Picture 4">
+            <a:extLst>
+              <a:ext uri="{FF2B5EF4-FFF2-40B4-BE49-F238E27FC236}">
+                <a16:creationId xmlns:a16="http://schemas.microsoft.com/office/drawing/2014/main" id="{7D66D740-781B-9E23-AF27-893788F3BF91}"/>
+              </a:ext>
+            </a:extLst>
+          </p:cNvPr>
+          <p:cNvPicPr>
+            <a:picLocks noChangeAspect="1" noChangeArrowheads="1"/>
+          </p:cNvPicPr>
+          <p:nvPr/>
+        </p:nvPicPr>
+        <p:blipFill>
+          <a:blip r:embed="rId5">
+            <a:extLst>
+              <a:ext uri="{28A0092B-C50C-407E-A947-70E740481C1C}">
+                <a14:useLocalDpi xmlns:a14="http://schemas.microsoft.com/office/drawing/2010/main" val="0"/>
+              </a:ext>
+            </a:extLst>
+          </a:blip>
+          <a:srcRect/>
+          <a:stretch>
+            <a:fillRect/>
+          </a:stretch>
+        </p:blipFill>
+        <p:spPr bwMode="auto">
+          <a:xfrm>
+            <a:off x="29449686" y="6840277"/>
+            <a:ext cx="3227511" cy="2746318"/>
+          </a:xfrm>
+          <a:prstGeom prst="rect">
+            <a:avLst/>
+          </a:prstGeom>
+          <a:noFill/>
+          <a:extLst>
+            <a:ext uri="{909E8E84-426E-40DD-AFC4-6F175D3DCCD1}">
+              <a14:hiddenFill xmlns:a14="http://schemas.microsoft.com/office/drawing/2010/main">
+                <a:solidFill>
+                  <a:srgbClr val="FFFFFF"/>
+                </a:solidFill>
+              </a14:hiddenFill>
+            </a:ext>
+          </a:extLst>
+        </p:spPr>
+      </p:pic>
+      <p:pic>
+        <p:nvPicPr>
+          <p:cNvPr id="1030" name="Picture 6">
+            <a:extLst>
+              <a:ext uri="{FF2B5EF4-FFF2-40B4-BE49-F238E27FC236}">
+                <a16:creationId xmlns:a16="http://schemas.microsoft.com/office/drawing/2014/main" id="{FD59AA3D-067D-30A9-DFFB-E16EC5999AFF}"/>
+              </a:ext>
+            </a:extLst>
+          </p:cNvPr>
+          <p:cNvPicPr>
+            <a:picLocks noChangeAspect="1" noChangeArrowheads="1"/>
+          </p:cNvPicPr>
+          <p:nvPr/>
+        </p:nvPicPr>
+        <p:blipFill>
+          <a:blip r:embed="rId6">
+            <a:extLst>
+              <a:ext uri="{28A0092B-C50C-407E-A947-70E740481C1C}">
+                <a14:useLocalDpi xmlns:a14="http://schemas.microsoft.com/office/drawing/2010/main" val="0"/>
+              </a:ext>
+            </a:extLst>
+          </a:blip>
+          <a:srcRect/>
+          <a:stretch>
+            <a:fillRect/>
+          </a:stretch>
+        </p:blipFill>
+        <p:spPr bwMode="auto">
+          <a:xfrm>
+            <a:off x="1679652" y="16494417"/>
+            <a:ext cx="4270510" cy="3079505"/>
+          </a:xfrm>
+          <a:prstGeom prst="rect">
+            <a:avLst/>
+          </a:prstGeom>
+          <a:noFill/>
+          <a:extLst>
+            <a:ext uri="{909E8E84-426E-40DD-AFC4-6F175D3DCCD1}">
+              <a14:hiddenFill xmlns:a14="http://schemas.microsoft.com/office/drawing/2010/main">
+                <a:solidFill>
+                  <a:srgbClr val="FFFFFF"/>
+                </a:solidFill>
+              </a14:hiddenFill>
+            </a:ext>
+          </a:extLst>
+        </p:spPr>
+      </p:pic>
     </p:spTree>
     <p:extLst>
       <p:ext uri="{BB962C8B-B14F-4D97-AF65-F5344CB8AC3E}">

--- a/Graphics/GIS_Workflow.pptx
+++ b/Graphics/GIS_Workflow.pptx
@@ -243,7 +243,7 @@
           <a:p>
             <a:fld id="{F72C1BCF-1929-4F52-BF96-F3A2DD98F1D0}" type="datetimeFigureOut">
               <a:rPr lang="en-US" smtClean="0"/>
-              <a:t>11/16/23</a:t>
+              <a:t>11/17/2023</a:t>
             </a:fld>
             <a:endParaRPr lang="en-US"/>
           </a:p>
@@ -413,7 +413,7 @@
           <a:p>
             <a:fld id="{F72C1BCF-1929-4F52-BF96-F3A2DD98F1D0}" type="datetimeFigureOut">
               <a:rPr lang="en-US" smtClean="0"/>
-              <a:t>11/16/23</a:t>
+              <a:t>11/17/2023</a:t>
             </a:fld>
             <a:endParaRPr lang="en-US"/>
           </a:p>
@@ -593,7 +593,7 @@
           <a:p>
             <a:fld id="{F72C1BCF-1929-4F52-BF96-F3A2DD98F1D0}" type="datetimeFigureOut">
               <a:rPr lang="en-US" smtClean="0"/>
-              <a:t>11/16/23</a:t>
+              <a:t>11/17/2023</a:t>
             </a:fld>
             <a:endParaRPr lang="en-US"/>
           </a:p>
@@ -763,7 +763,7 @@
           <a:p>
             <a:fld id="{F72C1BCF-1929-4F52-BF96-F3A2DD98F1D0}" type="datetimeFigureOut">
               <a:rPr lang="en-US" smtClean="0"/>
-              <a:t>11/16/23</a:t>
+              <a:t>11/17/2023</a:t>
             </a:fld>
             <a:endParaRPr lang="en-US"/>
           </a:p>
@@ -1007,7 +1007,7 @@
           <a:p>
             <a:fld id="{F72C1BCF-1929-4F52-BF96-F3A2DD98F1D0}" type="datetimeFigureOut">
               <a:rPr lang="en-US" smtClean="0"/>
-              <a:t>11/16/23</a:t>
+              <a:t>11/17/2023</a:t>
             </a:fld>
             <a:endParaRPr lang="en-US"/>
           </a:p>
@@ -1239,7 +1239,7 @@
           <a:p>
             <a:fld id="{F72C1BCF-1929-4F52-BF96-F3A2DD98F1D0}" type="datetimeFigureOut">
               <a:rPr lang="en-US" smtClean="0"/>
-              <a:t>11/16/23</a:t>
+              <a:t>11/17/2023</a:t>
             </a:fld>
             <a:endParaRPr lang="en-US"/>
           </a:p>
@@ -1606,7 +1606,7 @@
           <a:p>
             <a:fld id="{F72C1BCF-1929-4F52-BF96-F3A2DD98F1D0}" type="datetimeFigureOut">
               <a:rPr lang="en-US" smtClean="0"/>
-              <a:t>11/16/23</a:t>
+              <a:t>11/17/2023</a:t>
             </a:fld>
             <a:endParaRPr lang="en-US"/>
           </a:p>
@@ -1724,7 +1724,7 @@
           <a:p>
             <a:fld id="{F72C1BCF-1929-4F52-BF96-F3A2DD98F1D0}" type="datetimeFigureOut">
               <a:rPr lang="en-US" smtClean="0"/>
-              <a:t>11/16/23</a:t>
+              <a:t>11/17/2023</a:t>
             </a:fld>
             <a:endParaRPr lang="en-US"/>
           </a:p>
@@ -1819,7 +1819,7 @@
           <a:p>
             <a:fld id="{F72C1BCF-1929-4F52-BF96-F3A2DD98F1D0}" type="datetimeFigureOut">
               <a:rPr lang="en-US" smtClean="0"/>
-              <a:t>11/16/23</a:t>
+              <a:t>11/17/2023</a:t>
             </a:fld>
             <a:endParaRPr lang="en-US"/>
           </a:p>
@@ -2096,7 +2096,7 @@
           <a:p>
             <a:fld id="{F72C1BCF-1929-4F52-BF96-F3A2DD98F1D0}" type="datetimeFigureOut">
               <a:rPr lang="en-US" smtClean="0"/>
-              <a:t>11/16/23</a:t>
+              <a:t>11/17/2023</a:t>
             </a:fld>
             <a:endParaRPr lang="en-US"/>
           </a:p>
@@ -2353,7 +2353,7 @@
           <a:p>
             <a:fld id="{F72C1BCF-1929-4F52-BF96-F3A2DD98F1D0}" type="datetimeFigureOut">
               <a:rPr lang="en-US" smtClean="0"/>
-              <a:t>11/16/23</a:t>
+              <a:t>11/17/2023</a:t>
             </a:fld>
             <a:endParaRPr lang="en-US"/>
           </a:p>
@@ -2566,7 +2566,7 @@
           <a:p>
             <a:fld id="{F72C1BCF-1929-4F52-BF96-F3A2DD98F1D0}" type="datetimeFigureOut">
               <a:rPr lang="en-US" smtClean="0"/>
-              <a:t>11/16/23</a:t>
+              <a:t>11/17/2023</a:t>
             </a:fld>
             <a:endParaRPr lang="en-US"/>
           </a:p>
@@ -6915,6 +6915,654 @@
           </a:extLst>
         </p:spPr>
       </p:pic>
+      <p:sp>
+        <p:nvSpPr>
+          <p:cNvPr id="2" name="TextBox 1">
+            <a:extLst>
+              <a:ext uri="{FF2B5EF4-FFF2-40B4-BE49-F238E27FC236}">
+                <a16:creationId xmlns:a16="http://schemas.microsoft.com/office/drawing/2014/main" id="{46EA126B-3975-38B6-4724-496F77EB4987}"/>
+              </a:ext>
+            </a:extLst>
+          </p:cNvPr>
+          <p:cNvSpPr txBox="1"/>
+          <p:nvPr/>
+        </p:nvSpPr>
+        <p:spPr>
+          <a:xfrm>
+            <a:off x="5950162" y="16914969"/>
+            <a:ext cx="4251158" cy="523220"/>
+          </a:xfrm>
+          <a:prstGeom prst="rect">
+            <a:avLst/>
+          </a:prstGeom>
+          <a:noFill/>
+        </p:spPr>
+        <p:txBody>
+          <a:bodyPr wrap="square" rtlCol="0">
+            <a:spAutoFit/>
+          </a:bodyPr>
+          <a:lstStyle/>
+          <a:p>
+            <a:r>
+              <a:rPr lang="en-US" sz="2800" i="1" dirty="0">
+                <a:solidFill>
+                  <a:srgbClr val="0B5E90"/>
+                </a:solidFill>
+              </a:rPr>
+              <a:t>Geopandas</a:t>
+            </a:r>
+          </a:p>
+        </p:txBody>
+      </p:sp>
+      <p:sp>
+        <p:nvSpPr>
+          <p:cNvPr id="3" name="TextBox 2">
+            <a:extLst>
+              <a:ext uri="{FF2B5EF4-FFF2-40B4-BE49-F238E27FC236}">
+                <a16:creationId xmlns:a16="http://schemas.microsoft.com/office/drawing/2014/main" id="{A93FEF67-08BD-C315-20DF-B1C67BA5D233}"/>
+              </a:ext>
+            </a:extLst>
+          </p:cNvPr>
+          <p:cNvSpPr txBox="1"/>
+          <p:nvPr/>
+        </p:nvSpPr>
+        <p:spPr>
+          <a:xfrm>
+            <a:off x="5969290" y="4443042"/>
+            <a:ext cx="4251158" cy="523220"/>
+          </a:xfrm>
+          <a:prstGeom prst="rect">
+            <a:avLst/>
+          </a:prstGeom>
+          <a:noFill/>
+        </p:spPr>
+        <p:txBody>
+          <a:bodyPr wrap="square" rtlCol="0">
+            <a:spAutoFit/>
+          </a:bodyPr>
+          <a:lstStyle/>
+          <a:p>
+            <a:r>
+              <a:rPr lang="en-US" sz="2800" i="1" dirty="0" err="1">
+                <a:solidFill>
+                  <a:srgbClr val="0B5E90"/>
+                </a:solidFill>
+              </a:rPr>
+              <a:t>Rasterio</a:t>
+            </a:r>
+            <a:endParaRPr lang="en-US" sz="2800" i="1" dirty="0">
+              <a:solidFill>
+                <a:srgbClr val="0B5E90"/>
+              </a:solidFill>
+            </a:endParaRPr>
+          </a:p>
+        </p:txBody>
+      </p:sp>
+      <p:sp>
+        <p:nvSpPr>
+          <p:cNvPr id="5" name="TextBox 4">
+            <a:extLst>
+              <a:ext uri="{FF2B5EF4-FFF2-40B4-BE49-F238E27FC236}">
+                <a16:creationId xmlns:a16="http://schemas.microsoft.com/office/drawing/2014/main" id="{B80E158F-FADC-A277-937B-6FA8C6512599}"/>
+              </a:ext>
+            </a:extLst>
+          </p:cNvPr>
+          <p:cNvSpPr txBox="1"/>
+          <p:nvPr/>
+        </p:nvSpPr>
+        <p:spPr>
+          <a:xfrm>
+            <a:off x="3913796" y="6660096"/>
+            <a:ext cx="4251158" cy="523220"/>
+          </a:xfrm>
+          <a:prstGeom prst="rect">
+            <a:avLst/>
+          </a:prstGeom>
+          <a:noFill/>
+        </p:spPr>
+        <p:txBody>
+          <a:bodyPr wrap="square" rtlCol="0">
+            <a:spAutoFit/>
+          </a:bodyPr>
+          <a:lstStyle/>
+          <a:p>
+            <a:r>
+              <a:rPr lang="en-US" sz="2800" i="1" dirty="0">
+                <a:solidFill>
+                  <a:srgbClr val="0B5E90"/>
+                </a:solidFill>
+              </a:rPr>
+              <a:t>Shapely</a:t>
+            </a:r>
+          </a:p>
+        </p:txBody>
+      </p:sp>
+      <p:sp>
+        <p:nvSpPr>
+          <p:cNvPr id="7" name="TextBox 6">
+            <a:extLst>
+              <a:ext uri="{FF2B5EF4-FFF2-40B4-BE49-F238E27FC236}">
+                <a16:creationId xmlns:a16="http://schemas.microsoft.com/office/drawing/2014/main" id="{47C289BE-1BD1-4E1E-5D6B-C37BA27BF63E}"/>
+              </a:ext>
+            </a:extLst>
+          </p:cNvPr>
+          <p:cNvSpPr txBox="1"/>
+          <p:nvPr/>
+        </p:nvSpPr>
+        <p:spPr>
+          <a:xfrm>
+            <a:off x="8829808" y="8515963"/>
+            <a:ext cx="4251158" cy="523220"/>
+          </a:xfrm>
+          <a:prstGeom prst="rect">
+            <a:avLst/>
+          </a:prstGeom>
+          <a:noFill/>
+        </p:spPr>
+        <p:txBody>
+          <a:bodyPr wrap="square" rtlCol="0">
+            <a:spAutoFit/>
+          </a:bodyPr>
+          <a:lstStyle/>
+          <a:p>
+            <a:r>
+              <a:rPr lang="en-US" sz="2800" i="1" dirty="0" err="1">
+                <a:solidFill>
+                  <a:srgbClr val="0B5E90"/>
+                </a:solidFill>
+              </a:rPr>
+              <a:t>Rasterio</a:t>
+            </a:r>
+            <a:endParaRPr lang="en-US" sz="2800" i="1" dirty="0">
+              <a:solidFill>
+                <a:srgbClr val="0B5E90"/>
+              </a:solidFill>
+            </a:endParaRPr>
+          </a:p>
+        </p:txBody>
+      </p:sp>
+      <p:sp>
+        <p:nvSpPr>
+          <p:cNvPr id="8" name="TextBox 7">
+            <a:extLst>
+              <a:ext uri="{FF2B5EF4-FFF2-40B4-BE49-F238E27FC236}">
+                <a16:creationId xmlns:a16="http://schemas.microsoft.com/office/drawing/2014/main" id="{ECF88A88-80A9-4125-8A22-384D6DD9311C}"/>
+              </a:ext>
+            </a:extLst>
+          </p:cNvPr>
+          <p:cNvSpPr txBox="1"/>
+          <p:nvPr/>
+        </p:nvSpPr>
+        <p:spPr>
+          <a:xfrm>
+            <a:off x="12619534" y="2418736"/>
+            <a:ext cx="4251158" cy="523220"/>
+          </a:xfrm>
+          <a:prstGeom prst="rect">
+            <a:avLst/>
+          </a:prstGeom>
+          <a:noFill/>
+        </p:spPr>
+        <p:txBody>
+          <a:bodyPr wrap="square" rtlCol="0">
+            <a:spAutoFit/>
+          </a:bodyPr>
+          <a:lstStyle/>
+          <a:p>
+            <a:r>
+              <a:rPr lang="en-US" sz="2800" i="1" dirty="0">
+                <a:solidFill>
+                  <a:srgbClr val="0B5E90"/>
+                </a:solidFill>
+              </a:rPr>
+              <a:t>GDAL</a:t>
+            </a:r>
+          </a:p>
+        </p:txBody>
+      </p:sp>
+      <p:sp>
+        <p:nvSpPr>
+          <p:cNvPr id="11" name="TextBox 10">
+            <a:extLst>
+              <a:ext uri="{FF2B5EF4-FFF2-40B4-BE49-F238E27FC236}">
+                <a16:creationId xmlns:a16="http://schemas.microsoft.com/office/drawing/2014/main" id="{C99886C5-2362-5B20-C7D0-A225D333FE21}"/>
+              </a:ext>
+            </a:extLst>
+          </p:cNvPr>
+          <p:cNvSpPr txBox="1"/>
+          <p:nvPr/>
+        </p:nvSpPr>
+        <p:spPr>
+          <a:xfrm>
+            <a:off x="26414516" y="1613101"/>
+            <a:ext cx="4251158" cy="523220"/>
+          </a:xfrm>
+          <a:prstGeom prst="rect">
+            <a:avLst/>
+          </a:prstGeom>
+          <a:noFill/>
+        </p:spPr>
+        <p:txBody>
+          <a:bodyPr wrap="square" rtlCol="0">
+            <a:spAutoFit/>
+          </a:bodyPr>
+          <a:lstStyle/>
+          <a:p>
+            <a:r>
+              <a:rPr lang="en-US" sz="2800" i="1" dirty="0" err="1">
+                <a:solidFill>
+                  <a:srgbClr val="0B5E90"/>
+                </a:solidFill>
+              </a:rPr>
+              <a:t>Rasterio</a:t>
+            </a:r>
+            <a:endParaRPr lang="en-US" sz="2800" i="1" dirty="0">
+              <a:solidFill>
+                <a:srgbClr val="0B5E90"/>
+              </a:solidFill>
+            </a:endParaRPr>
+          </a:p>
+        </p:txBody>
+      </p:sp>
+      <p:sp>
+        <p:nvSpPr>
+          <p:cNvPr id="14" name="TextBox 13">
+            <a:extLst>
+              <a:ext uri="{FF2B5EF4-FFF2-40B4-BE49-F238E27FC236}">
+                <a16:creationId xmlns:a16="http://schemas.microsoft.com/office/drawing/2014/main" id="{CE0F999E-DD72-75F9-CB82-E25CFEA44804}"/>
+              </a:ext>
+            </a:extLst>
+          </p:cNvPr>
+          <p:cNvSpPr txBox="1"/>
+          <p:nvPr/>
+        </p:nvSpPr>
+        <p:spPr>
+          <a:xfrm>
+            <a:off x="20793937" y="7677348"/>
+            <a:ext cx="4251158" cy="523220"/>
+          </a:xfrm>
+          <a:prstGeom prst="rect">
+            <a:avLst/>
+          </a:prstGeom>
+          <a:noFill/>
+        </p:spPr>
+        <p:txBody>
+          <a:bodyPr wrap="square" rtlCol="0">
+            <a:spAutoFit/>
+          </a:bodyPr>
+          <a:lstStyle/>
+          <a:p>
+            <a:r>
+              <a:rPr lang="en-US" sz="2800" i="1" dirty="0" err="1">
+                <a:solidFill>
+                  <a:srgbClr val="0B5E90"/>
+                </a:solidFill>
+              </a:rPr>
+              <a:t>Rioxarray</a:t>
+            </a:r>
+            <a:endParaRPr lang="en-US" sz="2800" i="1" dirty="0">
+              <a:solidFill>
+                <a:srgbClr val="0B5E90"/>
+              </a:solidFill>
+            </a:endParaRPr>
+          </a:p>
+        </p:txBody>
+      </p:sp>
+      <p:sp>
+        <p:nvSpPr>
+          <p:cNvPr id="16" name="TextBox 15">
+            <a:extLst>
+              <a:ext uri="{FF2B5EF4-FFF2-40B4-BE49-F238E27FC236}">
+                <a16:creationId xmlns:a16="http://schemas.microsoft.com/office/drawing/2014/main" id="{BE118C1F-17DB-CB19-4405-381491326308}"/>
+              </a:ext>
+            </a:extLst>
+          </p:cNvPr>
+          <p:cNvSpPr txBox="1"/>
+          <p:nvPr/>
+        </p:nvSpPr>
+        <p:spPr>
+          <a:xfrm>
+            <a:off x="17038636" y="15731544"/>
+            <a:ext cx="4251158" cy="523220"/>
+          </a:xfrm>
+          <a:prstGeom prst="rect">
+            <a:avLst/>
+          </a:prstGeom>
+          <a:noFill/>
+        </p:spPr>
+        <p:txBody>
+          <a:bodyPr wrap="square" rtlCol="0">
+            <a:spAutoFit/>
+          </a:bodyPr>
+          <a:lstStyle/>
+          <a:p>
+            <a:r>
+              <a:rPr lang="en-US" sz="2800" i="1" dirty="0" err="1">
+                <a:solidFill>
+                  <a:srgbClr val="0B5E90"/>
+                </a:solidFill>
+              </a:rPr>
+              <a:t>Rioxarray</a:t>
+            </a:r>
+            <a:endParaRPr lang="en-US" sz="2800" i="1" dirty="0">
+              <a:solidFill>
+                <a:srgbClr val="0B5E90"/>
+              </a:solidFill>
+            </a:endParaRPr>
+          </a:p>
+        </p:txBody>
+      </p:sp>
+      <p:sp>
+        <p:nvSpPr>
+          <p:cNvPr id="23" name="TextBox 22">
+            <a:extLst>
+              <a:ext uri="{FF2B5EF4-FFF2-40B4-BE49-F238E27FC236}">
+                <a16:creationId xmlns:a16="http://schemas.microsoft.com/office/drawing/2014/main" id="{2BDA74A5-950F-181D-62A8-FBC2077E784B}"/>
+              </a:ext>
+            </a:extLst>
+          </p:cNvPr>
+          <p:cNvSpPr txBox="1"/>
+          <p:nvPr/>
+        </p:nvSpPr>
+        <p:spPr>
+          <a:xfrm>
+            <a:off x="23129503" y="15717263"/>
+            <a:ext cx="4251158" cy="523220"/>
+          </a:xfrm>
+          <a:prstGeom prst="rect">
+            <a:avLst/>
+          </a:prstGeom>
+          <a:noFill/>
+        </p:spPr>
+        <p:txBody>
+          <a:bodyPr wrap="square" rtlCol="0">
+            <a:spAutoFit/>
+          </a:bodyPr>
+          <a:lstStyle/>
+          <a:p>
+            <a:r>
+              <a:rPr lang="en-US" sz="2800" i="1" dirty="0" err="1">
+                <a:solidFill>
+                  <a:srgbClr val="0B5E90"/>
+                </a:solidFill>
+              </a:rPr>
+              <a:t>Rioxarray</a:t>
+            </a:r>
+            <a:endParaRPr lang="en-US" sz="2800" i="1" dirty="0">
+              <a:solidFill>
+                <a:srgbClr val="0B5E90"/>
+              </a:solidFill>
+            </a:endParaRPr>
+          </a:p>
+        </p:txBody>
+      </p:sp>
+      <p:sp>
+        <p:nvSpPr>
+          <p:cNvPr id="40" name="TextBox 39">
+            <a:extLst>
+              <a:ext uri="{FF2B5EF4-FFF2-40B4-BE49-F238E27FC236}">
+                <a16:creationId xmlns:a16="http://schemas.microsoft.com/office/drawing/2014/main" id="{242D51E5-815A-33F3-3CAA-E78FCF29E5C4}"/>
+              </a:ext>
+            </a:extLst>
+          </p:cNvPr>
+          <p:cNvSpPr txBox="1"/>
+          <p:nvPr/>
+        </p:nvSpPr>
+        <p:spPr>
+          <a:xfrm>
+            <a:off x="21416963" y="17816468"/>
+            <a:ext cx="4251158" cy="523220"/>
+          </a:xfrm>
+          <a:prstGeom prst="rect">
+            <a:avLst/>
+          </a:prstGeom>
+          <a:noFill/>
+        </p:spPr>
+        <p:txBody>
+          <a:bodyPr wrap="square" rtlCol="0">
+            <a:spAutoFit/>
+          </a:bodyPr>
+          <a:lstStyle/>
+          <a:p>
+            <a:r>
+              <a:rPr lang="en-US" sz="2800" i="1" dirty="0" err="1">
+                <a:solidFill>
+                  <a:srgbClr val="0B5E90"/>
+                </a:solidFill>
+              </a:rPr>
+              <a:t>Rasterio</a:t>
+            </a:r>
+            <a:endParaRPr lang="en-US" sz="2800" i="1" dirty="0">
+              <a:solidFill>
+                <a:srgbClr val="0B5E90"/>
+              </a:solidFill>
+            </a:endParaRPr>
+          </a:p>
+        </p:txBody>
+      </p:sp>
+      <p:sp>
+        <p:nvSpPr>
+          <p:cNvPr id="41" name="TextBox 40">
+            <a:extLst>
+              <a:ext uri="{FF2B5EF4-FFF2-40B4-BE49-F238E27FC236}">
+                <a16:creationId xmlns:a16="http://schemas.microsoft.com/office/drawing/2014/main" id="{F53A44D9-1C9A-CF0F-919C-9AFC12D13CD8}"/>
+              </a:ext>
+            </a:extLst>
+          </p:cNvPr>
+          <p:cNvSpPr txBox="1"/>
+          <p:nvPr/>
+        </p:nvSpPr>
+        <p:spPr>
+          <a:xfrm>
+            <a:off x="17038636" y="11818092"/>
+            <a:ext cx="4251158" cy="523220"/>
+          </a:xfrm>
+          <a:prstGeom prst="rect">
+            <a:avLst/>
+          </a:prstGeom>
+          <a:noFill/>
+        </p:spPr>
+        <p:txBody>
+          <a:bodyPr wrap="square" rtlCol="0">
+            <a:spAutoFit/>
+          </a:bodyPr>
+          <a:lstStyle/>
+          <a:p>
+            <a:r>
+              <a:rPr lang="en-US" sz="2800" i="1" dirty="0" err="1">
+                <a:solidFill>
+                  <a:srgbClr val="0B5E90"/>
+                </a:solidFill>
+              </a:rPr>
+              <a:t>Rasterio</a:t>
+            </a:r>
+            <a:endParaRPr lang="en-US" sz="2800" i="1" dirty="0">
+              <a:solidFill>
+                <a:srgbClr val="0B5E90"/>
+              </a:solidFill>
+            </a:endParaRPr>
+          </a:p>
+        </p:txBody>
+      </p:sp>
+      <p:sp>
+        <p:nvSpPr>
+          <p:cNvPr id="43" name="TextBox 42">
+            <a:extLst>
+              <a:ext uri="{FF2B5EF4-FFF2-40B4-BE49-F238E27FC236}">
+                <a16:creationId xmlns:a16="http://schemas.microsoft.com/office/drawing/2014/main" id="{88705B38-63A0-8095-E7AD-464045FEC981}"/>
+              </a:ext>
+            </a:extLst>
+          </p:cNvPr>
+          <p:cNvSpPr txBox="1"/>
+          <p:nvPr/>
+        </p:nvSpPr>
+        <p:spPr>
+          <a:xfrm>
+            <a:off x="23398781" y="11831837"/>
+            <a:ext cx="4251158" cy="523220"/>
+          </a:xfrm>
+          <a:prstGeom prst="rect">
+            <a:avLst/>
+          </a:prstGeom>
+          <a:noFill/>
+        </p:spPr>
+        <p:txBody>
+          <a:bodyPr wrap="square" rtlCol="0">
+            <a:spAutoFit/>
+          </a:bodyPr>
+          <a:lstStyle/>
+          <a:p>
+            <a:r>
+              <a:rPr lang="en-US" sz="2800" i="1" dirty="0" err="1">
+                <a:solidFill>
+                  <a:srgbClr val="0B5E90"/>
+                </a:solidFill>
+              </a:rPr>
+              <a:t>Rasterio</a:t>
+            </a:r>
+            <a:endParaRPr lang="en-US" sz="2800" i="1" dirty="0">
+              <a:solidFill>
+                <a:srgbClr val="0B5E90"/>
+              </a:solidFill>
+            </a:endParaRPr>
+          </a:p>
+        </p:txBody>
+      </p:sp>
+      <p:sp>
+        <p:nvSpPr>
+          <p:cNvPr id="44" name="TextBox 43">
+            <a:extLst>
+              <a:ext uri="{FF2B5EF4-FFF2-40B4-BE49-F238E27FC236}">
+                <a16:creationId xmlns:a16="http://schemas.microsoft.com/office/drawing/2014/main" id="{6BFD7322-6DAB-A783-E3C9-4575CD7787F8}"/>
+              </a:ext>
+            </a:extLst>
+          </p:cNvPr>
+          <p:cNvSpPr txBox="1"/>
+          <p:nvPr/>
+        </p:nvSpPr>
+        <p:spPr>
+          <a:xfrm>
+            <a:off x="5950162" y="13785951"/>
+            <a:ext cx="4251158" cy="523220"/>
+          </a:xfrm>
+          <a:prstGeom prst="rect">
+            <a:avLst/>
+          </a:prstGeom>
+          <a:noFill/>
+        </p:spPr>
+        <p:txBody>
+          <a:bodyPr wrap="square" rtlCol="0">
+            <a:spAutoFit/>
+          </a:bodyPr>
+          <a:lstStyle/>
+          <a:p>
+            <a:r>
+              <a:rPr lang="en-US" sz="2800" i="1" dirty="0">
+                <a:solidFill>
+                  <a:srgbClr val="0B5E90"/>
+                </a:solidFill>
+              </a:rPr>
+              <a:t>Geopandas, </a:t>
+            </a:r>
+            <a:r>
+              <a:rPr lang="en-US" sz="2800" i="1" dirty="0" err="1">
+                <a:solidFill>
+                  <a:srgbClr val="0B5E90"/>
+                </a:solidFill>
+              </a:rPr>
+              <a:t>Rasterio</a:t>
+            </a:r>
+            <a:endParaRPr lang="en-US" sz="2800" i="1" dirty="0">
+              <a:solidFill>
+                <a:srgbClr val="0B5E90"/>
+              </a:solidFill>
+            </a:endParaRPr>
+          </a:p>
+        </p:txBody>
+      </p:sp>
+      <p:sp>
+        <p:nvSpPr>
+          <p:cNvPr id="50" name="TextBox 49">
+            <a:extLst>
+              <a:ext uri="{FF2B5EF4-FFF2-40B4-BE49-F238E27FC236}">
+                <a16:creationId xmlns:a16="http://schemas.microsoft.com/office/drawing/2014/main" id="{B32507F9-877B-FED7-4A24-599FA03A4583}"/>
+              </a:ext>
+            </a:extLst>
+          </p:cNvPr>
+          <p:cNvSpPr txBox="1"/>
+          <p:nvPr/>
+        </p:nvSpPr>
+        <p:spPr>
+          <a:xfrm>
+            <a:off x="12581982" y="13693746"/>
+            <a:ext cx="4251158" cy="523220"/>
+          </a:xfrm>
+          <a:prstGeom prst="rect">
+            <a:avLst/>
+          </a:prstGeom>
+          <a:noFill/>
+        </p:spPr>
+        <p:txBody>
+          <a:bodyPr wrap="square" rtlCol="0">
+            <a:spAutoFit/>
+          </a:bodyPr>
+          <a:lstStyle/>
+          <a:p>
+            <a:r>
+              <a:rPr lang="en-US" sz="2800" i="1" dirty="0" err="1">
+                <a:solidFill>
+                  <a:srgbClr val="0B5E90"/>
+                </a:solidFill>
+              </a:rPr>
+              <a:t>Rasterio</a:t>
+            </a:r>
+            <a:endParaRPr lang="en-US" sz="2800" i="1" dirty="0">
+              <a:solidFill>
+                <a:srgbClr val="0B5E90"/>
+              </a:solidFill>
+            </a:endParaRPr>
+          </a:p>
+        </p:txBody>
+      </p:sp>
+      <p:sp>
+        <p:nvSpPr>
+          <p:cNvPr id="51" name="TextBox 50">
+            <a:extLst>
+              <a:ext uri="{FF2B5EF4-FFF2-40B4-BE49-F238E27FC236}">
+                <a16:creationId xmlns:a16="http://schemas.microsoft.com/office/drawing/2014/main" id="{43F17F7F-484A-B098-1B7F-774507FA5740}"/>
+              </a:ext>
+            </a:extLst>
+          </p:cNvPr>
+          <p:cNvSpPr txBox="1"/>
+          <p:nvPr/>
+        </p:nvSpPr>
+        <p:spPr>
+          <a:xfrm>
+            <a:off x="6090986" y="2904542"/>
+            <a:ext cx="4251158" cy="523220"/>
+          </a:xfrm>
+          <a:prstGeom prst="rect">
+            <a:avLst/>
+          </a:prstGeom>
+          <a:noFill/>
+        </p:spPr>
+        <p:txBody>
+          <a:bodyPr wrap="square" rtlCol="0">
+            <a:spAutoFit/>
+          </a:bodyPr>
+          <a:lstStyle/>
+          <a:p>
+            <a:r>
+              <a:rPr lang="en-US" sz="2800" i="1" dirty="0">
+                <a:solidFill>
+                  <a:srgbClr val="0B5E90"/>
+                </a:solidFill>
+              </a:rPr>
+              <a:t>Geopandas</a:t>
+            </a:r>
+          </a:p>
+        </p:txBody>
+      </p:sp>
     </p:spTree>
     <p:extLst>
       <p:ext uri="{BB962C8B-B14F-4D97-AF65-F5344CB8AC3E}">
